--- a/part1Design.pptx
+++ b/part1Design.pptx
@@ -3475,7 +3475,7 @@
         </p:nvCxnSpPr>
         <p:spPr>
           <a:xfrm flipV="1">
-            <a:off x="631065" y="2884868"/>
+            <a:off x="888643" y="5087156"/>
             <a:ext cx="1313645" cy="0"/>
           </a:xfrm>
           <a:prstGeom prst="straightConnector1">
@@ -3511,7 +3511,7 @@
         </p:nvSpPr>
         <p:spPr>
           <a:xfrm>
-            <a:off x="1944711" y="2601533"/>
+            <a:off x="2202289" y="4803821"/>
             <a:ext cx="981370" cy="566670"/>
           </a:xfrm>
           <a:prstGeom prst="rect">
@@ -3566,7 +3566,7 @@
         </p:nvCxnSpPr>
         <p:spPr>
           <a:xfrm>
-            <a:off x="2926081" y="2884868"/>
+            <a:off x="3183659" y="5087156"/>
             <a:ext cx="761999" cy="0"/>
           </a:xfrm>
           <a:prstGeom prst="straightConnector1">
@@ -3602,7 +3602,7 @@
         </p:nvSpPr>
         <p:spPr>
           <a:xfrm>
-            <a:off x="3688080" y="2601534"/>
+            <a:off x="3945658" y="4803822"/>
             <a:ext cx="1089660" cy="566670"/>
           </a:xfrm>
           <a:prstGeom prst="rect">
@@ -3689,7 +3689,7 @@
         </p:nvCxnSpPr>
         <p:spPr>
           <a:xfrm flipV="1">
-            <a:off x="4777740" y="2884868"/>
+            <a:off x="5035318" y="5087156"/>
             <a:ext cx="644266" cy="1"/>
           </a:xfrm>
           <a:prstGeom prst="straightConnector1">
@@ -3725,7 +3725,7 @@
         </p:nvSpPr>
         <p:spPr>
           <a:xfrm>
-            <a:off x="6096000" y="2601533"/>
+            <a:off x="6353578" y="4803821"/>
             <a:ext cx="1089660" cy="566670"/>
           </a:xfrm>
           <a:prstGeom prst="rect">
@@ -3785,7 +3785,7 @@
         </p:nvCxnSpPr>
         <p:spPr>
           <a:xfrm>
-            <a:off x="7185660" y="2884868"/>
+            <a:off x="7443238" y="5087156"/>
             <a:ext cx="1086494" cy="0"/>
           </a:xfrm>
           <a:prstGeom prst="straightConnector1">
@@ -3823,7 +3823,7 @@
         </p:nvCxnSpPr>
         <p:spPr>
           <a:xfrm>
-            <a:off x="5705341" y="2884868"/>
+            <a:off x="5962919" y="5087156"/>
             <a:ext cx="390659" cy="0"/>
           </a:xfrm>
           <a:prstGeom prst="straightConnector1">
@@ -3859,7 +3859,7 @@
         </p:nvCxnSpPr>
         <p:spPr>
           <a:xfrm flipH="1" flipV="1">
-            <a:off x="5422006" y="2601533"/>
+            <a:off x="5679584" y="4803821"/>
             <a:ext cx="283335" cy="283335"/>
           </a:xfrm>
           <a:prstGeom prst="line">
@@ -3894,7 +3894,7 @@
         </p:nvCxnSpPr>
         <p:spPr>
           <a:xfrm flipV="1">
-            <a:off x="5486776" y="2601532"/>
+            <a:off x="5744354" y="4803820"/>
             <a:ext cx="128789" cy="566671"/>
           </a:xfrm>
           <a:prstGeom prst="straightConnector1">
@@ -3930,7 +3930,7 @@
         </p:nvSpPr>
         <p:spPr>
           <a:xfrm>
-            <a:off x="5048143" y="3168202"/>
+            <a:off x="5305721" y="5370490"/>
             <a:ext cx="778635" cy="453980"/>
           </a:xfrm>
           <a:prstGeom prst="rect">
@@ -3988,7 +3988,7 @@
         </p:nvSpPr>
         <p:spPr>
           <a:xfrm>
-            <a:off x="940158" y="2369713"/>
+            <a:off x="1197736" y="4572001"/>
             <a:ext cx="613894" cy="369332"/>
           </a:xfrm>
           <a:prstGeom prst="rect">
@@ -4018,7 +4018,7 @@
         </p:nvSpPr>
         <p:spPr>
           <a:xfrm>
-            <a:off x="3043814" y="2369713"/>
+            <a:off x="3301392" y="4572001"/>
             <a:ext cx="591303" cy="369332"/>
           </a:xfrm>
           <a:prstGeom prst="rect">
@@ -4052,7 +4052,7 @@
         </p:nvSpPr>
         <p:spPr>
           <a:xfrm>
-            <a:off x="4805697" y="2472537"/>
+            <a:off x="5063275" y="4674825"/>
             <a:ext cx="591303" cy="369332"/>
           </a:xfrm>
           <a:prstGeom prst="rect">
@@ -4082,7 +4082,7 @@
         </p:nvSpPr>
         <p:spPr>
           <a:xfrm>
-            <a:off x="5710572" y="2515535"/>
+            <a:off x="5968150" y="4717823"/>
             <a:ext cx="591303" cy="369332"/>
           </a:xfrm>
           <a:prstGeom prst="rect">
@@ -4116,7 +4116,7 @@
         </p:nvSpPr>
         <p:spPr>
           <a:xfrm>
-            <a:off x="7454882" y="2472537"/>
+            <a:off x="7712460" y="4674825"/>
             <a:ext cx="710324" cy="369332"/>
           </a:xfrm>
           <a:prstGeom prst="rect">
@@ -4139,6 +4139,754 @@
               <a:t>k</a:t>
             </a:r>
             <a:endParaRPr lang="en-US" dirty="0"/>
+          </a:p>
+        </p:txBody>
+      </p:sp>
+      <p:sp>
+        <p:nvSpPr>
+          <p:cNvPr id="39" name="Rectangle 38"/>
+          <p:cNvSpPr/>
+          <p:nvPr/>
+        </p:nvSpPr>
+        <p:spPr>
+          <a:xfrm>
+            <a:off x="8529732" y="4803820"/>
+            <a:ext cx="1089660" cy="566670"/>
+          </a:xfrm>
+          <a:prstGeom prst="rect">
+            <a:avLst/>
+          </a:prstGeom>
+          <a:noFill/>
+          <a:ln>
+            <a:solidFill>
+              <a:schemeClr val="tx1"/>
+            </a:solidFill>
+          </a:ln>
+        </p:spPr>
+        <p:style>
+          <a:lnRef idx="2">
+            <a:schemeClr val="accent1">
+              <a:shade val="50000"/>
+            </a:schemeClr>
+          </a:lnRef>
+          <a:fillRef idx="1">
+            <a:schemeClr val="accent1"/>
+          </a:fillRef>
+          <a:effectRef idx="0">
+            <a:schemeClr val="accent1"/>
+          </a:effectRef>
+          <a:fontRef idx="minor">
+            <a:schemeClr val="lt1"/>
+          </a:fontRef>
+        </p:style>
+        <p:txBody>
+          <a:bodyPr rtlCol="0" anchor="ctr"/>
+          <a:lstStyle/>
+          <a:p>
+            <a:pPr algn="ctr"/>
+            <a:r>
+              <a:rPr lang="en-US" sz="1200" dirty="0" smtClean="0">
+                <a:solidFill>
+                  <a:schemeClr val="tx1"/>
+                </a:solidFill>
+              </a:rPr>
+              <a:t>Decode</a:t>
+            </a:r>
+            <a:endParaRPr lang="en-US" sz="1200" dirty="0">
+              <a:solidFill>
+                <a:schemeClr val="tx1"/>
+              </a:solidFill>
+            </a:endParaRPr>
+          </a:p>
+        </p:txBody>
+      </p:sp>
+      <p:cxnSp>
+        <p:nvCxnSpPr>
+          <p:cNvPr id="40" name="Straight Arrow Connector 39"/>
+          <p:cNvCxnSpPr>
+            <a:stCxn id="39" idx="3"/>
+          </p:cNvCxnSpPr>
+          <p:nvPr/>
+        </p:nvCxnSpPr>
+        <p:spPr>
+          <a:xfrm>
+            <a:off x="9619392" y="5087155"/>
+            <a:ext cx="1086494" cy="0"/>
+          </a:xfrm>
+          <a:prstGeom prst="straightConnector1">
+            <a:avLst/>
+          </a:prstGeom>
+          <a:ln>
+            <a:solidFill>
+              <a:schemeClr val="tx1"/>
+            </a:solidFill>
+            <a:tailEnd type="triangle"/>
+          </a:ln>
+        </p:spPr>
+        <p:style>
+          <a:lnRef idx="1">
+            <a:schemeClr val="accent1"/>
+          </a:lnRef>
+          <a:fillRef idx="0">
+            <a:schemeClr val="accent1"/>
+          </a:fillRef>
+          <a:effectRef idx="0">
+            <a:schemeClr val="accent1"/>
+          </a:effectRef>
+          <a:fontRef idx="minor">
+            <a:schemeClr val="tx1"/>
+          </a:fontRef>
+        </p:style>
+      </p:cxnSp>
+      <p:sp>
+        <p:nvSpPr>
+          <p:cNvPr id="41" name="TextBox 40"/>
+          <p:cNvSpPr txBox="1"/>
+          <p:nvPr/>
+        </p:nvSpPr>
+        <p:spPr>
+          <a:xfrm>
+            <a:off x="9847669" y="4674825"/>
+            <a:ext cx="710324" cy="369332"/>
+          </a:xfrm>
+          <a:prstGeom prst="rect">
+            <a:avLst/>
+          </a:prstGeom>
+          <a:noFill/>
+        </p:spPr>
+        <p:txBody>
+          <a:bodyPr wrap="square" rtlCol="0">
+            <a:spAutoFit/>
+          </a:bodyPr>
+          <a:lstStyle/>
+          <a:p>
+            <a:r>
+              <a:rPr lang="en-US" dirty="0" smtClean="0"/>
+              <a:t>bits</a:t>
+            </a:r>
+            <a:endParaRPr lang="en-US" dirty="0"/>
+          </a:p>
+        </p:txBody>
+      </p:sp>
+      <p:cxnSp>
+        <p:nvCxnSpPr>
+          <p:cNvPr id="42" name="Straight Arrow Connector 41"/>
+          <p:cNvCxnSpPr/>
+          <p:nvPr/>
+        </p:nvCxnSpPr>
+        <p:spPr>
+          <a:xfrm flipV="1">
+            <a:off x="888643" y="2733178"/>
+            <a:ext cx="1313645" cy="0"/>
+          </a:xfrm>
+          <a:prstGeom prst="straightConnector1">
+            <a:avLst/>
+          </a:prstGeom>
+          <a:ln>
+            <a:solidFill>
+              <a:schemeClr val="tx1"/>
+            </a:solidFill>
+            <a:tailEnd type="triangle"/>
+          </a:ln>
+        </p:spPr>
+        <p:style>
+          <a:lnRef idx="1">
+            <a:schemeClr val="accent1"/>
+          </a:lnRef>
+          <a:fillRef idx="0">
+            <a:schemeClr val="accent1"/>
+          </a:fillRef>
+          <a:effectRef idx="0">
+            <a:schemeClr val="accent1"/>
+          </a:effectRef>
+          <a:fontRef idx="minor">
+            <a:schemeClr val="tx1"/>
+          </a:fontRef>
+        </p:style>
+      </p:cxnSp>
+      <p:sp>
+        <p:nvSpPr>
+          <p:cNvPr id="43" name="Rectangle 42"/>
+          <p:cNvSpPr/>
+          <p:nvPr/>
+        </p:nvSpPr>
+        <p:spPr>
+          <a:xfrm>
+            <a:off x="2202289" y="2449843"/>
+            <a:ext cx="981370" cy="566670"/>
+          </a:xfrm>
+          <a:prstGeom prst="rect">
+            <a:avLst/>
+          </a:prstGeom>
+          <a:noFill/>
+        </p:spPr>
+        <p:style>
+          <a:lnRef idx="2">
+            <a:schemeClr val="accent1">
+              <a:shade val="50000"/>
+            </a:schemeClr>
+          </a:lnRef>
+          <a:fillRef idx="1">
+            <a:schemeClr val="accent1"/>
+          </a:fillRef>
+          <a:effectRef idx="0">
+            <a:schemeClr val="accent1"/>
+          </a:effectRef>
+          <a:fontRef idx="minor">
+            <a:schemeClr val="lt1"/>
+          </a:fontRef>
+        </p:style>
+        <p:txBody>
+          <a:bodyPr rtlCol="0" anchor="ctr"/>
+          <a:lstStyle/>
+          <a:p>
+            <a:pPr algn="ctr"/>
+            <a:r>
+              <a:rPr lang="en-US" dirty="0" smtClean="0">
+                <a:solidFill>
+                  <a:schemeClr val="tx1"/>
+                </a:solidFill>
+              </a:rPr>
+              <a:t>encode</a:t>
+            </a:r>
+            <a:endParaRPr lang="en-US" dirty="0">
+              <a:solidFill>
+                <a:schemeClr val="tx1"/>
+              </a:solidFill>
+            </a:endParaRPr>
+          </a:p>
+        </p:txBody>
+      </p:sp>
+      <p:cxnSp>
+        <p:nvCxnSpPr>
+          <p:cNvPr id="44" name="Straight Arrow Connector 43"/>
+          <p:cNvCxnSpPr>
+            <a:stCxn id="43" idx="3"/>
+          </p:cNvCxnSpPr>
+          <p:nvPr/>
+        </p:nvCxnSpPr>
+        <p:spPr>
+          <a:xfrm>
+            <a:off x="3183659" y="2733178"/>
+            <a:ext cx="761999" cy="0"/>
+          </a:xfrm>
+          <a:prstGeom prst="straightConnector1">
+            <a:avLst/>
+          </a:prstGeom>
+          <a:ln>
+            <a:solidFill>
+              <a:schemeClr val="tx1"/>
+            </a:solidFill>
+            <a:tailEnd type="triangle"/>
+          </a:ln>
+        </p:spPr>
+        <p:style>
+          <a:lnRef idx="1">
+            <a:schemeClr val="accent1"/>
+          </a:lnRef>
+          <a:fillRef idx="0">
+            <a:schemeClr val="accent1"/>
+          </a:fillRef>
+          <a:effectRef idx="0">
+            <a:schemeClr val="accent1"/>
+          </a:effectRef>
+          <a:fontRef idx="minor">
+            <a:schemeClr val="tx1"/>
+          </a:fontRef>
+        </p:style>
+      </p:cxnSp>
+      <p:sp>
+        <p:nvSpPr>
+          <p:cNvPr id="45" name="Rectangle 44"/>
+          <p:cNvSpPr/>
+          <p:nvPr/>
+        </p:nvSpPr>
+        <p:spPr>
+          <a:xfrm>
+            <a:off x="3945658" y="2449844"/>
+            <a:ext cx="1089660" cy="566670"/>
+          </a:xfrm>
+          <a:prstGeom prst="rect">
+            <a:avLst/>
+          </a:prstGeom>
+          <a:noFill/>
+          <a:ln>
+            <a:solidFill>
+              <a:schemeClr val="tx1"/>
+            </a:solidFill>
+          </a:ln>
+        </p:spPr>
+        <p:style>
+          <a:lnRef idx="2">
+            <a:schemeClr val="accent1">
+              <a:shade val="50000"/>
+            </a:schemeClr>
+          </a:lnRef>
+          <a:fillRef idx="1">
+            <a:schemeClr val="accent1"/>
+          </a:fillRef>
+          <a:effectRef idx="0">
+            <a:schemeClr val="accent1"/>
+          </a:effectRef>
+          <a:fontRef idx="minor">
+            <a:schemeClr val="lt1"/>
+          </a:fontRef>
+        </p:style>
+        <p:txBody>
+          <a:bodyPr rtlCol="0" anchor="ctr"/>
+          <a:lstStyle/>
+          <a:p>
+            <a:pPr algn="ctr"/>
+            <a:r>
+              <a:rPr lang="en-US" sz="1200" dirty="0" smtClean="0">
+                <a:solidFill>
+                  <a:schemeClr val="tx1"/>
+                </a:solidFill>
+              </a:rPr>
+              <a:t>modulate</a:t>
+            </a:r>
+          </a:p>
+          <a:p>
+            <a:pPr algn="ctr"/>
+            <a:r>
+              <a:rPr lang="en-US" sz="1200" dirty="0" smtClean="0">
+                <a:solidFill>
+                  <a:schemeClr val="tx1"/>
+                </a:solidFill>
+              </a:rPr>
+              <a:t>p(t)</a:t>
+            </a:r>
+            <a:endParaRPr lang="en-US" sz="1200" dirty="0">
+              <a:solidFill>
+                <a:schemeClr val="tx1"/>
+              </a:solidFill>
+            </a:endParaRPr>
+          </a:p>
+        </p:txBody>
+      </p:sp>
+      <p:cxnSp>
+        <p:nvCxnSpPr>
+          <p:cNvPr id="46" name="Straight Arrow Connector 45"/>
+          <p:cNvCxnSpPr>
+            <a:stCxn id="45" idx="3"/>
+          </p:cNvCxnSpPr>
+          <p:nvPr/>
+        </p:nvCxnSpPr>
+        <p:spPr>
+          <a:xfrm flipV="1">
+            <a:off x="5035318" y="2733178"/>
+            <a:ext cx="801487" cy="1"/>
+          </a:xfrm>
+          <a:prstGeom prst="straightConnector1">
+            <a:avLst/>
+          </a:prstGeom>
+          <a:ln>
+            <a:solidFill>
+              <a:schemeClr val="tx1"/>
+            </a:solidFill>
+            <a:tailEnd type="triangle"/>
+          </a:ln>
+        </p:spPr>
+        <p:style>
+          <a:lnRef idx="1">
+            <a:schemeClr val="accent1"/>
+          </a:lnRef>
+          <a:fillRef idx="0">
+            <a:schemeClr val="accent1"/>
+          </a:fillRef>
+          <a:effectRef idx="0">
+            <a:schemeClr val="accent1"/>
+          </a:effectRef>
+          <a:fontRef idx="minor">
+            <a:schemeClr val="tx1"/>
+          </a:fontRef>
+        </p:style>
+      </p:cxnSp>
+      <p:sp>
+        <p:nvSpPr>
+          <p:cNvPr id="53" name="TextBox 52"/>
+          <p:cNvSpPr txBox="1"/>
+          <p:nvPr/>
+        </p:nvSpPr>
+        <p:spPr>
+          <a:xfrm>
+            <a:off x="1197736" y="2218023"/>
+            <a:ext cx="613894" cy="369332"/>
+          </a:xfrm>
+          <a:prstGeom prst="rect">
+            <a:avLst/>
+          </a:prstGeom>
+          <a:noFill/>
+        </p:spPr>
+        <p:txBody>
+          <a:bodyPr wrap="square" rtlCol="0">
+            <a:spAutoFit/>
+          </a:bodyPr>
+          <a:lstStyle/>
+          <a:p>
+            <a:r>
+              <a:rPr lang="en-US" dirty="0" smtClean="0"/>
+              <a:t>bits</a:t>
+            </a:r>
+            <a:endParaRPr lang="en-US" dirty="0"/>
+          </a:p>
+        </p:txBody>
+      </p:sp>
+      <p:sp>
+        <p:nvSpPr>
+          <p:cNvPr id="54" name="TextBox 53"/>
+          <p:cNvSpPr txBox="1"/>
+          <p:nvPr/>
+        </p:nvSpPr>
+        <p:spPr>
+          <a:xfrm>
+            <a:off x="3208666" y="2218023"/>
+            <a:ext cx="684030" cy="369332"/>
+          </a:xfrm>
+          <a:prstGeom prst="rect">
+            <a:avLst/>
+          </a:prstGeom>
+          <a:noFill/>
+        </p:spPr>
+        <p:txBody>
+          <a:bodyPr wrap="square" rtlCol="0">
+            <a:spAutoFit/>
+          </a:bodyPr>
+          <a:lstStyle/>
+          <a:p>
+            <a:r>
+              <a:rPr lang="en-US" dirty="0" err="1" smtClean="0"/>
+              <a:t>msg</a:t>
+            </a:r>
+            <a:r>
+              <a:rPr lang="en-US" baseline="-25000" dirty="0" err="1" smtClean="0"/>
+              <a:t>k</a:t>
+            </a:r>
+            <a:endParaRPr lang="en-US" dirty="0"/>
+          </a:p>
+        </p:txBody>
+      </p:sp>
+      <p:sp>
+        <p:nvSpPr>
+          <p:cNvPr id="64" name="TextBox 63"/>
+          <p:cNvSpPr txBox="1"/>
+          <p:nvPr/>
+        </p:nvSpPr>
+        <p:spPr>
+          <a:xfrm>
+            <a:off x="5072685" y="2218023"/>
+            <a:ext cx="613894" cy="369332"/>
+          </a:xfrm>
+          <a:prstGeom prst="rect">
+            <a:avLst/>
+          </a:prstGeom>
+          <a:noFill/>
+        </p:spPr>
+        <p:txBody>
+          <a:bodyPr wrap="square" rtlCol="0">
+            <a:spAutoFit/>
+          </a:bodyPr>
+          <a:lstStyle/>
+          <a:p>
+            <a:r>
+              <a:rPr lang="en-US" dirty="0"/>
+              <a:t>x</a:t>
+            </a:r>
+            <a:r>
+              <a:rPr lang="en-US" dirty="0" smtClean="0"/>
+              <a:t>(t)</a:t>
+            </a:r>
+            <a:endParaRPr lang="en-US" dirty="0"/>
+          </a:p>
+        </p:txBody>
+      </p:sp>
+      <p:sp>
+        <p:nvSpPr>
+          <p:cNvPr id="65" name="Rectangle 64"/>
+          <p:cNvSpPr/>
+          <p:nvPr/>
+        </p:nvSpPr>
+        <p:spPr>
+          <a:xfrm>
+            <a:off x="2879678" y="559558"/>
+            <a:ext cx="2426043" cy="334798"/>
+          </a:xfrm>
+          <a:prstGeom prst="rect">
+            <a:avLst/>
+          </a:prstGeom>
+          <a:noFill/>
+          <a:ln>
+            <a:solidFill>
+              <a:schemeClr val="tx1"/>
+            </a:solidFill>
+          </a:ln>
+        </p:spPr>
+        <p:style>
+          <a:lnRef idx="2">
+            <a:schemeClr val="accent1">
+              <a:shade val="50000"/>
+            </a:schemeClr>
+          </a:lnRef>
+          <a:fillRef idx="1">
+            <a:schemeClr val="accent1"/>
+          </a:fillRef>
+          <a:effectRef idx="0">
+            <a:schemeClr val="accent1"/>
+          </a:effectRef>
+          <a:fontRef idx="minor">
+            <a:schemeClr val="lt1"/>
+          </a:fontRef>
+        </p:style>
+        <p:txBody>
+          <a:bodyPr rtlCol="0" anchor="ctr"/>
+          <a:lstStyle/>
+          <a:p>
+            <a:pPr algn="ctr"/>
+            <a:r>
+              <a:rPr lang="en-US" dirty="0" smtClean="0">
+                <a:solidFill>
+                  <a:schemeClr val="tx1"/>
+                </a:solidFill>
+              </a:rPr>
+              <a:t>buffer (11111000000)</a:t>
+            </a:r>
+            <a:endParaRPr lang="en-US" dirty="0">
+              <a:solidFill>
+                <a:schemeClr val="tx1"/>
+              </a:solidFill>
+            </a:endParaRPr>
+          </a:p>
+        </p:txBody>
+      </p:sp>
+      <p:sp>
+        <p:nvSpPr>
+          <p:cNvPr id="67" name="Rectangle 66"/>
+          <p:cNvSpPr/>
+          <p:nvPr/>
+        </p:nvSpPr>
+        <p:spPr>
+          <a:xfrm>
+            <a:off x="5305721" y="559558"/>
+            <a:ext cx="1463569" cy="334798"/>
+          </a:xfrm>
+          <a:prstGeom prst="rect">
+            <a:avLst/>
+          </a:prstGeom>
+          <a:noFill/>
+          <a:ln>
+            <a:solidFill>
+              <a:schemeClr val="tx1"/>
+            </a:solidFill>
+          </a:ln>
+        </p:spPr>
+        <p:style>
+          <a:lnRef idx="2">
+            <a:schemeClr val="accent1">
+              <a:shade val="50000"/>
+            </a:schemeClr>
+          </a:lnRef>
+          <a:fillRef idx="1">
+            <a:schemeClr val="accent1"/>
+          </a:fillRef>
+          <a:effectRef idx="0">
+            <a:schemeClr val="accent1"/>
+          </a:effectRef>
+          <a:fontRef idx="minor">
+            <a:schemeClr val="lt1"/>
+          </a:fontRef>
+        </p:style>
+        <p:txBody>
+          <a:bodyPr rtlCol="0" anchor="ctr"/>
+          <a:lstStyle/>
+          <a:p>
+            <a:pPr algn="ctr"/>
+            <a:r>
+              <a:rPr lang="en-US" dirty="0" smtClean="0">
+                <a:solidFill>
+                  <a:schemeClr val="tx1"/>
+                </a:solidFill>
+              </a:rPr>
+              <a:t>Time Sync</a:t>
+            </a:r>
+            <a:endParaRPr lang="en-US" dirty="0">
+              <a:solidFill>
+                <a:schemeClr val="tx1"/>
+              </a:solidFill>
+            </a:endParaRPr>
+          </a:p>
+        </p:txBody>
+      </p:sp>
+      <p:sp>
+        <p:nvSpPr>
+          <p:cNvPr id="68" name="Rectangle 67"/>
+          <p:cNvSpPr/>
+          <p:nvPr/>
+        </p:nvSpPr>
+        <p:spPr>
+          <a:xfrm>
+            <a:off x="6769291" y="559558"/>
+            <a:ext cx="673948" cy="334798"/>
+          </a:xfrm>
+          <a:prstGeom prst="rect">
+            <a:avLst/>
+          </a:prstGeom>
+          <a:noFill/>
+          <a:ln>
+            <a:solidFill>
+              <a:schemeClr val="tx1"/>
+            </a:solidFill>
+          </a:ln>
+        </p:spPr>
+        <p:style>
+          <a:lnRef idx="2">
+            <a:schemeClr val="accent1">
+              <a:shade val="50000"/>
+            </a:schemeClr>
+          </a:lnRef>
+          <a:fillRef idx="1">
+            <a:schemeClr val="accent1"/>
+          </a:fillRef>
+          <a:effectRef idx="0">
+            <a:schemeClr val="accent1"/>
+          </a:effectRef>
+          <a:fontRef idx="minor">
+            <a:schemeClr val="lt1"/>
+          </a:fontRef>
+        </p:style>
+        <p:txBody>
+          <a:bodyPr rtlCol="0" anchor="ctr"/>
+          <a:lstStyle/>
+          <a:p>
+            <a:pPr algn="ctr"/>
+            <a:r>
+              <a:rPr lang="en-US" dirty="0" smtClean="0">
+                <a:solidFill>
+                  <a:schemeClr val="tx1"/>
+                </a:solidFill>
+              </a:rPr>
+              <a:t>pilot</a:t>
+            </a:r>
+            <a:endParaRPr lang="en-US" dirty="0">
+              <a:solidFill>
+                <a:schemeClr val="tx1"/>
+              </a:solidFill>
+            </a:endParaRPr>
+          </a:p>
+        </p:txBody>
+      </p:sp>
+      <p:sp>
+        <p:nvSpPr>
+          <p:cNvPr id="69" name="Rectangle 68"/>
+          <p:cNvSpPr/>
+          <p:nvPr/>
+        </p:nvSpPr>
+        <p:spPr>
+          <a:xfrm>
+            <a:off x="7448446" y="559558"/>
+            <a:ext cx="673948" cy="334798"/>
+          </a:xfrm>
+          <a:prstGeom prst="rect">
+            <a:avLst/>
+          </a:prstGeom>
+          <a:noFill/>
+          <a:ln>
+            <a:solidFill>
+              <a:schemeClr val="tx1"/>
+            </a:solidFill>
+          </a:ln>
+        </p:spPr>
+        <p:style>
+          <a:lnRef idx="2">
+            <a:schemeClr val="accent1">
+              <a:shade val="50000"/>
+            </a:schemeClr>
+          </a:lnRef>
+          <a:fillRef idx="1">
+            <a:schemeClr val="accent1"/>
+          </a:fillRef>
+          <a:effectRef idx="0">
+            <a:schemeClr val="accent1"/>
+          </a:effectRef>
+          <a:fontRef idx="minor">
+            <a:schemeClr val="lt1"/>
+          </a:fontRef>
+        </p:style>
+        <p:txBody>
+          <a:bodyPr rtlCol="0" anchor="ctr"/>
+          <a:lstStyle/>
+          <a:p>
+            <a:pPr algn="ctr"/>
+            <a:r>
+              <a:rPr lang="en-US" dirty="0" err="1" smtClean="0">
+                <a:solidFill>
+                  <a:schemeClr val="tx1"/>
+                </a:solidFill>
+              </a:rPr>
+              <a:t>msg</a:t>
+            </a:r>
+            <a:endParaRPr lang="en-US" dirty="0">
+              <a:solidFill>
+                <a:schemeClr val="tx1"/>
+              </a:solidFill>
+            </a:endParaRPr>
+          </a:p>
+        </p:txBody>
+      </p:sp>
+      <p:sp>
+        <p:nvSpPr>
+          <p:cNvPr id="70" name="Rectangle 69"/>
+          <p:cNvSpPr/>
+          <p:nvPr/>
+        </p:nvSpPr>
+        <p:spPr>
+          <a:xfrm>
+            <a:off x="8122394" y="559558"/>
+            <a:ext cx="673948" cy="334798"/>
+          </a:xfrm>
+          <a:prstGeom prst="rect">
+            <a:avLst/>
+          </a:prstGeom>
+          <a:noFill/>
+          <a:ln>
+            <a:solidFill>
+              <a:schemeClr val="tx1"/>
+            </a:solidFill>
+          </a:ln>
+        </p:spPr>
+        <p:style>
+          <a:lnRef idx="2">
+            <a:schemeClr val="accent1">
+              <a:shade val="50000"/>
+            </a:schemeClr>
+          </a:lnRef>
+          <a:fillRef idx="1">
+            <a:schemeClr val="accent1"/>
+          </a:fillRef>
+          <a:effectRef idx="0">
+            <a:schemeClr val="accent1"/>
+          </a:effectRef>
+          <a:fontRef idx="minor">
+            <a:schemeClr val="lt1"/>
+          </a:fontRef>
+        </p:style>
+        <p:txBody>
+          <a:bodyPr rtlCol="0" anchor="ctr"/>
+          <a:lstStyle/>
+          <a:p>
+            <a:pPr algn="ctr"/>
+            <a:r>
+              <a:rPr lang="en-US" dirty="0" smtClean="0">
+                <a:solidFill>
+                  <a:schemeClr val="tx1"/>
+                </a:solidFill>
+              </a:rPr>
+              <a:t>pilot</a:t>
+            </a:r>
+            <a:endParaRPr lang="en-US" dirty="0">
+              <a:solidFill>
+                <a:schemeClr val="tx1"/>
+              </a:solidFill>
+            </a:endParaRPr>
           </a:p>
         </p:txBody>
       </p:sp>
